--- a/doc/発表資料/アプリ開発成果発表会スライド.pptx
+++ b/doc/発表資料/アプリ開発成果発表会スライド.pptx
@@ -4890,7 +4890,7 @@
         </p:blipFill>
         <p:spPr>
           <a:xfrm>
-            <a:off x="5439285" y="986328"/>
+            <a:off x="5695116" y="986327"/>
             <a:ext cx="3398102" cy="3398102"/>
           </a:xfrm>
           <a:prstGeom prst="rect">
@@ -4988,6 +4988,195 @@
       </p:sp>
       <p:sp>
         <p:nvSpPr>
+          <p:cNvPr id="6" name="四角形: 角を丸くする 5">
+            <a:extLst>
+              <a:ext uri="{FF2B5EF4-FFF2-40B4-BE49-F238E27FC236}">
+                <a16:creationId xmlns:a16="http://schemas.microsoft.com/office/drawing/2014/main" id="{09DA6DD5-BB21-BD22-1B00-F5AD2086874C}"/>
+              </a:ext>
+            </a:extLst>
+          </p:cNvPr>
+          <p:cNvSpPr/>
+          <p:nvPr/>
+        </p:nvSpPr>
+        <p:spPr>
+          <a:xfrm>
+            <a:off x="419231" y="3752698"/>
+            <a:ext cx="4769346" cy="1215853"/>
+          </a:xfrm>
+          <a:prstGeom prst="roundRect">
+            <a:avLst>
+              <a:gd name="adj" fmla="val 10494"/>
+            </a:avLst>
+          </a:prstGeom>
+          <a:solidFill>
+            <a:schemeClr val="bg1">
+              <a:lumMod val="95000"/>
+            </a:schemeClr>
+          </a:solidFill>
+          <a:ln>
+            <a:noFill/>
+          </a:ln>
+          <a:effectLst>
+            <a:outerShdw blurRad="50800" dist="38100" dir="13500000" algn="br" rotWithShape="0">
+              <a:prstClr val="black">
+                <a:alpha val="40000"/>
+              </a:prstClr>
+            </a:outerShdw>
+          </a:effectLst>
+        </p:spPr>
+        <p:style>
+          <a:lnRef idx="2">
+            <a:schemeClr val="accent1">
+              <a:shade val="15000"/>
+            </a:schemeClr>
+          </a:lnRef>
+          <a:fillRef idx="1">
+            <a:schemeClr val="accent1"/>
+          </a:fillRef>
+          <a:effectRef idx="0">
+            <a:schemeClr val="accent1"/>
+          </a:effectRef>
+          <a:fontRef idx="minor">
+            <a:schemeClr val="lt1"/>
+          </a:fontRef>
+        </p:style>
+        <p:txBody>
+          <a:bodyPr rtlCol="0" anchor="ctr"/>
+          <a:lstStyle/>
+          <a:p>
+            <a:pPr algn="ctr"/>
+            <a:endParaRPr kumimoji="1" lang="ja-JP" altLang="en-US"/>
+          </a:p>
+        </p:txBody>
+      </p:sp>
+      <p:sp>
+        <p:nvSpPr>
+          <p:cNvPr id="7" name="四角形: 角を丸くする 6">
+            <a:extLst>
+              <a:ext uri="{FF2B5EF4-FFF2-40B4-BE49-F238E27FC236}">
+                <a16:creationId xmlns:a16="http://schemas.microsoft.com/office/drawing/2014/main" id="{16E052F0-322D-5FDC-0CDA-EB1D91308CC5}"/>
+              </a:ext>
+            </a:extLst>
+          </p:cNvPr>
+          <p:cNvSpPr/>
+          <p:nvPr/>
+        </p:nvSpPr>
+        <p:spPr>
+          <a:xfrm>
+            <a:off x="622948" y="1666251"/>
+            <a:ext cx="4854557" cy="1762749"/>
+          </a:xfrm>
+          <a:prstGeom prst="roundRect">
+            <a:avLst>
+              <a:gd name="adj" fmla="val 10494"/>
+            </a:avLst>
+          </a:prstGeom>
+          <a:solidFill>
+            <a:schemeClr val="bg1">
+              <a:lumMod val="95000"/>
+            </a:schemeClr>
+          </a:solidFill>
+          <a:ln>
+            <a:noFill/>
+          </a:ln>
+          <a:effectLst>
+            <a:outerShdw blurRad="50800" dist="38100" dir="18900000" algn="bl" rotWithShape="0">
+              <a:prstClr val="black">
+                <a:alpha val="40000"/>
+              </a:prstClr>
+            </a:outerShdw>
+          </a:effectLst>
+        </p:spPr>
+        <p:style>
+          <a:lnRef idx="2">
+            <a:schemeClr val="accent1">
+              <a:shade val="15000"/>
+            </a:schemeClr>
+          </a:lnRef>
+          <a:fillRef idx="1">
+            <a:schemeClr val="accent1"/>
+          </a:fillRef>
+          <a:effectRef idx="0">
+            <a:schemeClr val="accent1"/>
+          </a:effectRef>
+          <a:fontRef idx="minor">
+            <a:schemeClr val="lt1"/>
+          </a:fontRef>
+        </p:style>
+        <p:txBody>
+          <a:bodyPr rtlCol="0" anchor="ctr"/>
+          <a:lstStyle/>
+          <a:p>
+            <a:pPr algn="ctr"/>
+            <a:endParaRPr kumimoji="1" lang="ja-JP" altLang="en-US"/>
+          </a:p>
+        </p:txBody>
+      </p:sp>
+      <p:sp>
+        <p:nvSpPr>
+          <p:cNvPr id="10" name="四角形: 角を丸くする 9">
+            <a:extLst>
+              <a:ext uri="{FF2B5EF4-FFF2-40B4-BE49-F238E27FC236}">
+                <a16:creationId xmlns:a16="http://schemas.microsoft.com/office/drawing/2014/main" id="{5E216BBC-A139-B65A-1CF4-0663528112E1}"/>
+              </a:ext>
+            </a:extLst>
+          </p:cNvPr>
+          <p:cNvSpPr/>
+          <p:nvPr/>
+        </p:nvSpPr>
+        <p:spPr>
+          <a:xfrm>
+            <a:off x="1251955" y="5292249"/>
+            <a:ext cx="4796847" cy="1215853"/>
+          </a:xfrm>
+          <a:prstGeom prst="roundRect">
+            <a:avLst>
+              <a:gd name="adj" fmla="val 10494"/>
+            </a:avLst>
+          </a:prstGeom>
+          <a:solidFill>
+            <a:schemeClr val="bg1">
+              <a:lumMod val="95000"/>
+            </a:schemeClr>
+          </a:solidFill>
+          <a:ln>
+            <a:noFill/>
+          </a:ln>
+          <a:effectLst>
+            <a:outerShdw blurRad="50800" dist="38100" dir="18900000" algn="bl" rotWithShape="0">
+              <a:prstClr val="black">
+                <a:alpha val="40000"/>
+              </a:prstClr>
+            </a:outerShdw>
+          </a:effectLst>
+        </p:spPr>
+        <p:style>
+          <a:lnRef idx="2">
+            <a:schemeClr val="accent1">
+              <a:shade val="15000"/>
+            </a:schemeClr>
+          </a:lnRef>
+          <a:fillRef idx="1">
+            <a:schemeClr val="accent1"/>
+          </a:fillRef>
+          <a:effectRef idx="0">
+            <a:schemeClr val="accent1"/>
+          </a:effectRef>
+          <a:fontRef idx="minor">
+            <a:schemeClr val="lt1"/>
+          </a:fontRef>
+        </p:style>
+        <p:txBody>
+          <a:bodyPr rtlCol="0" anchor="ctr"/>
+          <a:lstStyle/>
+          <a:p>
+            <a:pPr algn="ctr"/>
+            <a:endParaRPr kumimoji="1" lang="ja-JP" altLang="en-US"/>
+          </a:p>
+        </p:txBody>
+      </p:sp>
+      <p:sp>
+        <p:nvSpPr>
           <p:cNvPr id="15" name="テキスト ボックス 14">
             <a:extLst>
               <a:ext uri="{FF2B5EF4-FFF2-40B4-BE49-F238E27FC236}">
@@ -5000,8 +5189,8 @@
         </p:nvSpPr>
         <p:spPr>
           <a:xfrm>
-            <a:off x="4388446" y="986328"/>
-            <a:ext cx="3669278" cy="830997"/>
+            <a:off x="775640" y="1885417"/>
+            <a:ext cx="4701865" cy="1200329"/>
           </a:xfrm>
           <a:prstGeom prst="rect">
             <a:avLst/>
@@ -5015,7 +5204,7 @@
           <a:lstStyle/>
           <a:p>
             <a:r>
-              <a:rPr kumimoji="1" lang="ja-JP" altLang="en-US" sz="2400" dirty="0">
+              <a:rPr kumimoji="1" lang="ja-JP" altLang="en-US" dirty="0">
                 <a:ln>
                   <a:solidFill>
                     <a:srgbClr val="001746"/>
@@ -5027,9 +5216,9 @@
                 <a:latin typeface="UD デジタル 教科書体 NP-R" panose="02020400000000000000" pitchFamily="18" charset="-128"/>
                 <a:ea typeface="UD デジタル 教科書体 NP-R" panose="02020400000000000000" pitchFamily="18" charset="-128"/>
               </a:rPr>
-              <a:t>どこからでも使える</a:t>
-            </a:r>
-            <a:endParaRPr kumimoji="1" lang="en-US" altLang="ja-JP" sz="2400" dirty="0">
+              <a:t>私たち夫婦は共働きなので、家事はその時できる人がやるようにしています。お互いの予定がリアルタイムで確認できるのがいいですね！</a:t>
+            </a:r>
+            <a:endParaRPr kumimoji="1" lang="en-US" altLang="ja-JP" dirty="0">
               <a:ln>
                 <a:solidFill>
                   <a:srgbClr val="001746"/>
@@ -5042,9 +5231,128 @@
               <a:ea typeface="UD デジタル 教科書体 NP-R" panose="02020400000000000000" pitchFamily="18" charset="-128"/>
             </a:endParaRPr>
           </a:p>
-          <a:p>
-            <a:r>
-              <a:rPr kumimoji="1" lang="ja-JP" altLang="en-US" sz="2400" dirty="0">
+        </p:txBody>
+      </p:sp>
+      <p:pic>
+        <p:nvPicPr>
+          <p:cNvPr id="16" name="図 15" descr="図形&#10;&#10;自動的に生成された説明">
+            <a:extLst>
+              <a:ext uri="{FF2B5EF4-FFF2-40B4-BE49-F238E27FC236}">
+                <a16:creationId xmlns:a16="http://schemas.microsoft.com/office/drawing/2014/main" id="{8ED26F6B-B7E9-62E6-F83C-582FAC1443B0}"/>
+              </a:ext>
+            </a:extLst>
+          </p:cNvPr>
+          <p:cNvPicPr>
+            <a:picLocks noChangeAspect="1"/>
+          </p:cNvPicPr>
+          <p:nvPr/>
+        </p:nvPicPr>
+        <p:blipFill>
+          <a:blip r:embed="rId4">
+            <a:extLst>
+              <a:ext uri="{BEBA8EAE-BF5A-486C-A8C5-ECC9F3942E4B}">
+                <a14:imgProps xmlns:a14="http://schemas.microsoft.com/office/drawing/2010/main">
+                  <a14:imgLayer r:embed="rId5">
+                    <a14:imgEffect>
+                      <a14:backgroundRemoval t="10000" b="90000" l="10000" r="90000"/>
+                    </a14:imgEffect>
+                  </a14:imgLayer>
+                </a14:imgProps>
+              </a:ext>
+              <a:ext uri="{28A0092B-C50C-407E-A947-70E740481C1C}">
+                <a14:useLocalDpi xmlns:a14="http://schemas.microsoft.com/office/drawing/2010/main" val="0"/>
+              </a:ext>
+            </a:extLst>
+          </a:blip>
+          <a:stretch>
+            <a:fillRect/>
+          </a:stretch>
+        </p:blipFill>
+        <p:spPr>
+          <a:xfrm rot="181780" flipV="1">
+            <a:off x="9496599" y="2107277"/>
+            <a:ext cx="1075884" cy="896570"/>
+          </a:xfrm>
+          <a:prstGeom prst="rect">
+            <a:avLst/>
+          </a:prstGeom>
+        </p:spPr>
+      </p:pic>
+      <p:pic>
+        <p:nvPicPr>
+          <p:cNvPr id="17" name="図 16" descr="図形&#10;&#10;自動的に生成された説明">
+            <a:extLst>
+              <a:ext uri="{FF2B5EF4-FFF2-40B4-BE49-F238E27FC236}">
+                <a16:creationId xmlns:a16="http://schemas.microsoft.com/office/drawing/2014/main" id="{BCFA0A50-5E6F-2FB9-118C-3A1DE3CA5C55}"/>
+              </a:ext>
+            </a:extLst>
+          </p:cNvPr>
+          <p:cNvPicPr>
+            <a:picLocks noChangeAspect="1"/>
+          </p:cNvPicPr>
+          <p:nvPr/>
+        </p:nvPicPr>
+        <p:blipFill>
+          <a:blip r:embed="rId4">
+            <a:extLst>
+              <a:ext uri="{BEBA8EAE-BF5A-486C-A8C5-ECC9F3942E4B}">
+                <a14:imgProps xmlns:a14="http://schemas.microsoft.com/office/drawing/2010/main">
+                  <a14:imgLayer r:embed="rId5">
+                    <a14:imgEffect>
+                      <a14:backgroundRemoval t="10000" b="90000" l="10000" r="90000"/>
+                    </a14:imgEffect>
+                  </a14:imgLayer>
+                </a14:imgProps>
+              </a:ext>
+              <a:ext uri="{28A0092B-C50C-407E-A947-70E740481C1C}">
+                <a14:useLocalDpi xmlns:a14="http://schemas.microsoft.com/office/drawing/2010/main" val="0"/>
+              </a:ext>
+            </a:extLst>
+          </a:blip>
+          <a:stretch>
+            <a:fillRect/>
+          </a:stretch>
+        </p:blipFill>
+        <p:spPr>
+          <a:xfrm rot="10800000" flipV="1">
+            <a:off x="6909028" y="4602267"/>
+            <a:ext cx="1075884" cy="896570"/>
+          </a:xfrm>
+          <a:prstGeom prst="rect">
+            <a:avLst/>
+          </a:prstGeom>
+        </p:spPr>
+      </p:pic>
+      <p:sp>
+        <p:nvSpPr>
+          <p:cNvPr id="18" name="テキスト ボックス 17">
+            <a:extLst>
+              <a:ext uri="{FF2B5EF4-FFF2-40B4-BE49-F238E27FC236}">
+                <a16:creationId xmlns:a16="http://schemas.microsoft.com/office/drawing/2014/main" id="{D433C07B-EA99-1296-201E-AAB78463844E}"/>
+              </a:ext>
+            </a:extLst>
+          </p:cNvPr>
+          <p:cNvSpPr txBox="1"/>
+          <p:nvPr/>
+        </p:nvSpPr>
+        <p:spPr>
+          <a:xfrm>
+            <a:off x="3103821" y="2974374"/>
+            <a:ext cx="2183465" cy="338554"/>
+          </a:xfrm>
+          <a:prstGeom prst="rect">
+            <a:avLst/>
+          </a:prstGeom>
+          <a:noFill/>
+        </p:spPr>
+        <p:txBody>
+          <a:bodyPr wrap="square" rtlCol="0">
+            <a:spAutoFit/>
+          </a:bodyPr>
+          <a:lstStyle/>
+          <a:p>
+            <a:r>
+              <a:rPr kumimoji="1" lang="en-US" altLang="ja-JP" sz="1600" dirty="0">
                 <a:ln>
                   <a:solidFill>
                     <a:srgbClr val="001746"/>
@@ -5056,188 +5364,477 @@
                 <a:latin typeface="UD デジタル 教科書体 NP-R" panose="02020400000000000000" pitchFamily="18" charset="-128"/>
                 <a:ea typeface="UD デジタル 教科書体 NP-R" panose="02020400000000000000" pitchFamily="18" charset="-128"/>
               </a:rPr>
-              <a:t>相手の予定を見て頼める</a:t>
-            </a:r>
-          </a:p>
-        </p:txBody>
-      </p:sp>
-      <p:sp>
-        <p:nvSpPr>
-          <p:cNvPr id="5" name="四角形: 角を丸くする 4">
-            <a:extLst>
-              <a:ext uri="{FF2B5EF4-FFF2-40B4-BE49-F238E27FC236}">
-                <a16:creationId xmlns:a16="http://schemas.microsoft.com/office/drawing/2014/main" id="{FD40081C-4AEC-8690-D306-2972947452C0}"/>
-              </a:ext>
-            </a:extLst>
-          </p:cNvPr>
-          <p:cNvSpPr/>
-          <p:nvPr/>
-        </p:nvSpPr>
-        <p:spPr>
-          <a:xfrm>
-            <a:off x="719168" y="4799697"/>
-            <a:ext cx="3669278" cy="1713071"/>
-          </a:xfrm>
-          <a:prstGeom prst="roundRect">
-            <a:avLst>
-              <a:gd name="adj" fmla="val 8333"/>
-            </a:avLst>
-          </a:prstGeom>
-          <a:solidFill>
-            <a:schemeClr val="bg1">
-              <a:lumMod val="95000"/>
-            </a:schemeClr>
-          </a:solidFill>
-          <a:ln>
-            <a:solidFill>
-              <a:schemeClr val="bg1">
-                <a:lumMod val="75000"/>
-              </a:schemeClr>
-            </a:solidFill>
-          </a:ln>
-        </p:spPr>
-        <p:style>
-          <a:lnRef idx="2">
-            <a:schemeClr val="accent1">
-              <a:shade val="15000"/>
-            </a:schemeClr>
-          </a:lnRef>
-          <a:fillRef idx="1">
-            <a:schemeClr val="accent1"/>
-          </a:fillRef>
-          <a:effectRef idx="0">
-            <a:schemeClr val="accent1"/>
-          </a:effectRef>
-          <a:fontRef idx="minor">
-            <a:schemeClr val="lt1"/>
-          </a:fontRef>
-        </p:style>
-        <p:txBody>
-          <a:bodyPr rtlCol="0" anchor="ctr"/>
-          <a:lstStyle/>
-          <a:p>
-            <a:pPr algn="ctr"/>
-            <a:endParaRPr kumimoji="1" lang="ja-JP" altLang="en-US"/>
-          </a:p>
-        </p:txBody>
-      </p:sp>
-      <p:sp>
-        <p:nvSpPr>
-          <p:cNvPr id="6" name="四角形: 角を丸くする 5">
-            <a:extLst>
-              <a:ext uri="{FF2B5EF4-FFF2-40B4-BE49-F238E27FC236}">
-                <a16:creationId xmlns:a16="http://schemas.microsoft.com/office/drawing/2014/main" id="{09DA6DD5-BB21-BD22-1B00-F5AD2086874C}"/>
-              </a:ext>
-            </a:extLst>
-          </p:cNvPr>
-          <p:cNvSpPr/>
-          <p:nvPr/>
-        </p:nvSpPr>
-        <p:spPr>
-          <a:xfrm>
-            <a:off x="1447756" y="3261797"/>
-            <a:ext cx="3669278" cy="1295421"/>
-          </a:xfrm>
-          <a:prstGeom prst="roundRect">
-            <a:avLst>
-              <a:gd name="adj" fmla="val 10494"/>
-            </a:avLst>
-          </a:prstGeom>
-          <a:solidFill>
-            <a:schemeClr val="bg1">
-              <a:lumMod val="95000"/>
-            </a:schemeClr>
-          </a:solidFill>
-          <a:ln>
-            <a:solidFill>
-              <a:schemeClr val="bg1">
-                <a:lumMod val="75000"/>
-              </a:schemeClr>
-            </a:solidFill>
-          </a:ln>
-        </p:spPr>
-        <p:style>
-          <a:lnRef idx="2">
-            <a:schemeClr val="accent1">
-              <a:shade val="15000"/>
-            </a:schemeClr>
-          </a:lnRef>
-          <a:fillRef idx="1">
-            <a:schemeClr val="accent1"/>
-          </a:fillRef>
-          <a:effectRef idx="0">
-            <a:schemeClr val="accent1"/>
-          </a:effectRef>
-          <a:fontRef idx="minor">
-            <a:schemeClr val="lt1"/>
-          </a:fontRef>
-        </p:style>
-        <p:txBody>
-          <a:bodyPr rtlCol="0" anchor="ctr"/>
-          <a:lstStyle/>
-          <a:p>
-            <a:pPr algn="ctr"/>
-            <a:endParaRPr kumimoji="1" lang="ja-JP" altLang="en-US"/>
-          </a:p>
-        </p:txBody>
-      </p:sp>
-      <p:sp>
-        <p:nvSpPr>
-          <p:cNvPr id="7" name="四角形: 角を丸くする 6">
-            <a:extLst>
-              <a:ext uri="{FF2B5EF4-FFF2-40B4-BE49-F238E27FC236}">
-                <a16:creationId xmlns:a16="http://schemas.microsoft.com/office/drawing/2014/main" id="{16E052F0-322D-5FDC-0CDA-EB1D91308CC5}"/>
-              </a:ext>
-            </a:extLst>
-          </p:cNvPr>
-          <p:cNvSpPr/>
-          <p:nvPr/>
-        </p:nvSpPr>
-        <p:spPr>
-          <a:xfrm>
-            <a:off x="408745" y="1723898"/>
-            <a:ext cx="3669278" cy="1295421"/>
-          </a:xfrm>
-          <a:prstGeom prst="roundRect">
-            <a:avLst>
-              <a:gd name="adj" fmla="val 10494"/>
-            </a:avLst>
-          </a:prstGeom>
-          <a:solidFill>
-            <a:schemeClr val="bg1">
-              <a:lumMod val="95000"/>
-            </a:schemeClr>
-          </a:solidFill>
-          <a:ln>
-            <a:solidFill>
-              <a:schemeClr val="bg1">
-                <a:lumMod val="75000"/>
-              </a:schemeClr>
-            </a:solidFill>
-          </a:ln>
-        </p:spPr>
-        <p:style>
-          <a:lnRef idx="2">
-            <a:schemeClr val="accent1">
-              <a:shade val="15000"/>
-            </a:schemeClr>
-          </a:lnRef>
-          <a:fillRef idx="1">
-            <a:schemeClr val="accent1"/>
-          </a:fillRef>
-          <a:effectRef idx="0">
-            <a:schemeClr val="accent1"/>
-          </a:effectRef>
-          <a:fontRef idx="minor">
-            <a:schemeClr val="lt1"/>
-          </a:fontRef>
-        </p:style>
-        <p:txBody>
-          <a:bodyPr rtlCol="0" anchor="ctr"/>
-          <a:lstStyle/>
-          <a:p>
-            <a:pPr algn="ctr"/>
-            <a:endParaRPr kumimoji="1" lang="ja-JP" altLang="en-US"/>
+              <a:t>30</a:t>
+            </a:r>
+            <a:r>
+              <a:rPr kumimoji="1" lang="ja-JP" altLang="en-US" sz="1600" dirty="0">
+                <a:ln>
+                  <a:solidFill>
+                    <a:srgbClr val="001746"/>
+                  </a:solidFill>
+                </a:ln>
+                <a:solidFill>
+                  <a:srgbClr val="001746"/>
+                </a:solidFill>
+                <a:latin typeface="UD デジタル 教科書体 NP-R" panose="02020400000000000000" pitchFamily="18" charset="-128"/>
+                <a:ea typeface="UD デジタル 教科書体 NP-R" panose="02020400000000000000" pitchFamily="18" charset="-128"/>
+              </a:rPr>
+              <a:t>代女性　</a:t>
+            </a:r>
+            <a:r>
+              <a:rPr kumimoji="1" lang="en-US" altLang="ja-JP" sz="1600" dirty="0">
+                <a:ln>
+                  <a:solidFill>
+                    <a:srgbClr val="001746"/>
+                  </a:solidFill>
+                </a:ln>
+                <a:solidFill>
+                  <a:srgbClr val="001746"/>
+                </a:solidFill>
+                <a:latin typeface="UD デジタル 教科書体 NP-R" panose="02020400000000000000" pitchFamily="18" charset="-128"/>
+                <a:ea typeface="UD デジタル 教科書体 NP-R" panose="02020400000000000000" pitchFamily="18" charset="-128"/>
+              </a:rPr>
+              <a:t>H</a:t>
+            </a:r>
+            <a:r>
+              <a:rPr kumimoji="1" lang="ja-JP" altLang="en-US" sz="1600" dirty="0">
+                <a:ln>
+                  <a:solidFill>
+                    <a:srgbClr val="001746"/>
+                  </a:solidFill>
+                </a:ln>
+                <a:solidFill>
+                  <a:srgbClr val="001746"/>
+                </a:solidFill>
+                <a:latin typeface="UD デジタル 教科書体 NP-R" panose="02020400000000000000" pitchFamily="18" charset="-128"/>
+                <a:ea typeface="UD デジタル 教科書体 NP-R" panose="02020400000000000000" pitchFamily="18" charset="-128"/>
+              </a:rPr>
+              <a:t>・</a:t>
+            </a:r>
+            <a:r>
+              <a:rPr kumimoji="1" lang="en-US" altLang="ja-JP" sz="1600" dirty="0">
+                <a:ln>
+                  <a:solidFill>
+                    <a:srgbClr val="001746"/>
+                  </a:solidFill>
+                </a:ln>
+                <a:solidFill>
+                  <a:srgbClr val="001746"/>
+                </a:solidFill>
+                <a:latin typeface="UD デジタル 教科書体 NP-R" panose="02020400000000000000" pitchFamily="18" charset="-128"/>
+                <a:ea typeface="UD デジタル 教科書体 NP-R" panose="02020400000000000000" pitchFamily="18" charset="-128"/>
+              </a:rPr>
+              <a:t>Y</a:t>
+            </a:r>
+            <a:r>
+              <a:rPr kumimoji="1" lang="ja-JP" altLang="en-US" sz="1600" dirty="0">
+                <a:ln>
+                  <a:solidFill>
+                    <a:srgbClr val="001746"/>
+                  </a:solidFill>
+                </a:ln>
+                <a:solidFill>
+                  <a:srgbClr val="001746"/>
+                </a:solidFill>
+                <a:latin typeface="UD デジタル 教科書体 NP-R" panose="02020400000000000000" pitchFamily="18" charset="-128"/>
+                <a:ea typeface="UD デジタル 教科書体 NP-R" panose="02020400000000000000" pitchFamily="18" charset="-128"/>
+              </a:rPr>
+              <a:t>さん</a:t>
+            </a:r>
+            <a:endParaRPr kumimoji="1" lang="en-US" altLang="ja-JP" sz="1600" dirty="0">
+              <a:ln>
+                <a:solidFill>
+                  <a:srgbClr val="001746"/>
+                </a:solidFill>
+              </a:ln>
+              <a:solidFill>
+                <a:srgbClr val="001746"/>
+              </a:solidFill>
+              <a:latin typeface="UD デジタル 教科書体 NP-R" panose="02020400000000000000" pitchFamily="18" charset="-128"/>
+              <a:ea typeface="UD デジタル 教科書体 NP-R" panose="02020400000000000000" pitchFamily="18" charset="-128"/>
+            </a:endParaRPr>
+          </a:p>
+        </p:txBody>
+      </p:sp>
+      <p:sp>
+        <p:nvSpPr>
+          <p:cNvPr id="19" name="テキスト ボックス 18">
+            <a:extLst>
+              <a:ext uri="{FF2B5EF4-FFF2-40B4-BE49-F238E27FC236}">
+                <a16:creationId xmlns:a16="http://schemas.microsoft.com/office/drawing/2014/main" id="{EB2F6895-3602-9845-1C60-14A8B8F2DE22}"/>
+              </a:ext>
+            </a:extLst>
+          </p:cNvPr>
+          <p:cNvSpPr txBox="1"/>
+          <p:nvPr/>
+        </p:nvSpPr>
+        <p:spPr>
+          <a:xfrm>
+            <a:off x="549327" y="3898004"/>
+            <a:ext cx="4568428" cy="646331"/>
+          </a:xfrm>
+          <a:prstGeom prst="rect">
+            <a:avLst/>
+          </a:prstGeom>
+          <a:noFill/>
+        </p:spPr>
+        <p:txBody>
+          <a:bodyPr wrap="square" rtlCol="0">
+            <a:spAutoFit/>
+          </a:bodyPr>
+          <a:lstStyle/>
+          <a:p>
+            <a:r>
+              <a:rPr kumimoji="1" lang="ja-JP" altLang="en-US" dirty="0">
+                <a:ln>
+                  <a:solidFill>
+                    <a:srgbClr val="001746"/>
+                  </a:solidFill>
+                </a:ln>
+                <a:solidFill>
+                  <a:srgbClr val="001746"/>
+                </a:solidFill>
+                <a:latin typeface="UD デジタル 教科書体 NP-R" panose="02020400000000000000" pitchFamily="18" charset="-128"/>
+                <a:ea typeface="UD デジタル 教科書体 NP-R" panose="02020400000000000000" pitchFamily="18" charset="-128"/>
+              </a:rPr>
+              <a:t>当日でもタスクが更新できて、相手側にも反映されるところがいい。</a:t>
+            </a:r>
+            <a:endParaRPr kumimoji="1" lang="en-US" altLang="ja-JP" dirty="0">
+              <a:ln>
+                <a:solidFill>
+                  <a:srgbClr val="001746"/>
+                </a:solidFill>
+              </a:ln>
+              <a:solidFill>
+                <a:srgbClr val="001746"/>
+              </a:solidFill>
+              <a:latin typeface="UD デジタル 教科書体 NP-R" panose="02020400000000000000" pitchFamily="18" charset="-128"/>
+              <a:ea typeface="UD デジタル 教科書体 NP-R" panose="02020400000000000000" pitchFamily="18" charset="-128"/>
+            </a:endParaRPr>
+          </a:p>
+        </p:txBody>
+      </p:sp>
+      <p:sp>
+        <p:nvSpPr>
+          <p:cNvPr id="20" name="テキスト ボックス 19">
+            <a:extLst>
+              <a:ext uri="{FF2B5EF4-FFF2-40B4-BE49-F238E27FC236}">
+                <a16:creationId xmlns:a16="http://schemas.microsoft.com/office/drawing/2014/main" id="{1868283A-C936-CF90-42D9-375A7B61E079}"/>
+              </a:ext>
+            </a:extLst>
+          </p:cNvPr>
+          <p:cNvSpPr txBox="1"/>
+          <p:nvPr/>
+        </p:nvSpPr>
+        <p:spPr>
+          <a:xfrm>
+            <a:off x="2833541" y="4587166"/>
+            <a:ext cx="2183465" cy="338554"/>
+          </a:xfrm>
+          <a:prstGeom prst="rect">
+            <a:avLst/>
+          </a:prstGeom>
+          <a:noFill/>
+        </p:spPr>
+        <p:txBody>
+          <a:bodyPr wrap="square" rtlCol="0">
+            <a:spAutoFit/>
+          </a:bodyPr>
+          <a:lstStyle/>
+          <a:p>
+            <a:r>
+              <a:rPr kumimoji="1" lang="en-US" altLang="ja-JP" sz="1600" dirty="0">
+                <a:ln>
+                  <a:solidFill>
+                    <a:srgbClr val="001746"/>
+                  </a:solidFill>
+                </a:ln>
+                <a:solidFill>
+                  <a:srgbClr val="001746"/>
+                </a:solidFill>
+                <a:latin typeface="UD デジタル 教科書体 NP-R" panose="02020400000000000000" pitchFamily="18" charset="-128"/>
+                <a:ea typeface="UD デジタル 教科書体 NP-R" panose="02020400000000000000" pitchFamily="18" charset="-128"/>
+              </a:rPr>
+              <a:t>20</a:t>
+            </a:r>
+            <a:r>
+              <a:rPr kumimoji="1" lang="ja-JP" altLang="en-US" sz="1600" dirty="0">
+                <a:ln>
+                  <a:solidFill>
+                    <a:srgbClr val="001746"/>
+                  </a:solidFill>
+                </a:ln>
+                <a:solidFill>
+                  <a:srgbClr val="001746"/>
+                </a:solidFill>
+                <a:latin typeface="UD デジタル 教科書体 NP-R" panose="02020400000000000000" pitchFamily="18" charset="-128"/>
+                <a:ea typeface="UD デジタル 教科書体 NP-R" panose="02020400000000000000" pitchFamily="18" charset="-128"/>
+              </a:rPr>
+              <a:t>代男性　</a:t>
+            </a:r>
+            <a:r>
+              <a:rPr kumimoji="1" lang="en-US" altLang="ja-JP" sz="1600" dirty="0">
+                <a:ln>
+                  <a:solidFill>
+                    <a:srgbClr val="001746"/>
+                  </a:solidFill>
+                </a:ln>
+                <a:solidFill>
+                  <a:srgbClr val="001746"/>
+                </a:solidFill>
+                <a:latin typeface="UD デジタル 教科書体 NP-R" panose="02020400000000000000" pitchFamily="18" charset="-128"/>
+                <a:ea typeface="UD デジタル 教科書体 NP-R" panose="02020400000000000000" pitchFamily="18" charset="-128"/>
+              </a:rPr>
+              <a:t>T</a:t>
+            </a:r>
+            <a:r>
+              <a:rPr kumimoji="1" lang="ja-JP" altLang="en-US" sz="1600" dirty="0">
+                <a:ln>
+                  <a:solidFill>
+                    <a:srgbClr val="001746"/>
+                  </a:solidFill>
+                </a:ln>
+                <a:solidFill>
+                  <a:srgbClr val="001746"/>
+                </a:solidFill>
+                <a:latin typeface="UD デジタル 教科書体 NP-R" panose="02020400000000000000" pitchFamily="18" charset="-128"/>
+                <a:ea typeface="UD デジタル 教科書体 NP-R" panose="02020400000000000000" pitchFamily="18" charset="-128"/>
+              </a:rPr>
+              <a:t>・</a:t>
+            </a:r>
+            <a:r>
+              <a:rPr kumimoji="1" lang="en-US" altLang="ja-JP" sz="1600" dirty="0">
+                <a:ln>
+                  <a:solidFill>
+                    <a:srgbClr val="001746"/>
+                  </a:solidFill>
+                </a:ln>
+                <a:solidFill>
+                  <a:srgbClr val="001746"/>
+                </a:solidFill>
+                <a:latin typeface="UD デジタル 教科書体 NP-R" panose="02020400000000000000" pitchFamily="18" charset="-128"/>
+                <a:ea typeface="UD デジタル 教科書体 NP-R" panose="02020400000000000000" pitchFamily="18" charset="-128"/>
+              </a:rPr>
+              <a:t>S</a:t>
+            </a:r>
+            <a:r>
+              <a:rPr kumimoji="1" lang="ja-JP" altLang="en-US" sz="1600" dirty="0">
+                <a:ln>
+                  <a:solidFill>
+                    <a:srgbClr val="001746"/>
+                  </a:solidFill>
+                </a:ln>
+                <a:solidFill>
+                  <a:srgbClr val="001746"/>
+                </a:solidFill>
+                <a:latin typeface="UD デジタル 教科書体 NP-R" panose="02020400000000000000" pitchFamily="18" charset="-128"/>
+                <a:ea typeface="UD デジタル 教科書体 NP-R" panose="02020400000000000000" pitchFamily="18" charset="-128"/>
+              </a:rPr>
+              <a:t>さん</a:t>
+            </a:r>
+            <a:endParaRPr kumimoji="1" lang="en-US" altLang="ja-JP" sz="1600" dirty="0">
+              <a:ln>
+                <a:solidFill>
+                  <a:srgbClr val="001746"/>
+                </a:solidFill>
+              </a:ln>
+              <a:solidFill>
+                <a:srgbClr val="001746"/>
+              </a:solidFill>
+              <a:latin typeface="UD デジタル 教科書体 NP-R" panose="02020400000000000000" pitchFamily="18" charset="-128"/>
+              <a:ea typeface="UD デジタル 教科書体 NP-R" panose="02020400000000000000" pitchFamily="18" charset="-128"/>
+            </a:endParaRPr>
+          </a:p>
+        </p:txBody>
+      </p:sp>
+      <p:sp>
+        <p:nvSpPr>
+          <p:cNvPr id="21" name="テキスト ボックス 20">
+            <a:extLst>
+              <a:ext uri="{FF2B5EF4-FFF2-40B4-BE49-F238E27FC236}">
+                <a16:creationId xmlns:a16="http://schemas.microsoft.com/office/drawing/2014/main" id="{1E70964E-4435-1DB2-D81F-D9FA35D54D3E}"/>
+              </a:ext>
+            </a:extLst>
+          </p:cNvPr>
+          <p:cNvSpPr txBox="1"/>
+          <p:nvPr/>
+        </p:nvSpPr>
+        <p:spPr>
+          <a:xfrm>
+            <a:off x="1366164" y="5430613"/>
+            <a:ext cx="4568428" cy="646331"/>
+          </a:xfrm>
+          <a:prstGeom prst="rect">
+            <a:avLst/>
+          </a:prstGeom>
+          <a:noFill/>
+        </p:spPr>
+        <p:txBody>
+          <a:bodyPr wrap="square" rtlCol="0">
+            <a:spAutoFit/>
+          </a:bodyPr>
+          <a:lstStyle/>
+          <a:p>
+            <a:r>
+              <a:rPr kumimoji="1" lang="ja-JP" altLang="en-US" dirty="0">
+                <a:ln>
+                  <a:solidFill>
+                    <a:srgbClr val="001746"/>
+                  </a:solidFill>
+                </a:ln>
+                <a:solidFill>
+                  <a:srgbClr val="001746"/>
+                </a:solidFill>
+                <a:latin typeface="UD デジタル 教科書体 NP-R" panose="02020400000000000000" pitchFamily="18" charset="-128"/>
+                <a:ea typeface="UD デジタル 教科書体 NP-R" panose="02020400000000000000" pitchFamily="18" charset="-128"/>
+              </a:rPr>
+              <a:t>スケジュールとタスクが分かれて表示されているのが見やすいですね。</a:t>
+            </a:r>
+            <a:endParaRPr kumimoji="1" lang="en-US" altLang="ja-JP" dirty="0">
+              <a:ln>
+                <a:solidFill>
+                  <a:srgbClr val="001746"/>
+                </a:solidFill>
+              </a:ln>
+              <a:solidFill>
+                <a:srgbClr val="001746"/>
+              </a:solidFill>
+              <a:latin typeface="UD デジタル 教科書体 NP-R" panose="02020400000000000000" pitchFamily="18" charset="-128"/>
+              <a:ea typeface="UD デジタル 教科書体 NP-R" panose="02020400000000000000" pitchFamily="18" charset="-128"/>
+            </a:endParaRPr>
+          </a:p>
+        </p:txBody>
+      </p:sp>
+      <p:sp>
+        <p:nvSpPr>
+          <p:cNvPr id="22" name="テキスト ボックス 21">
+            <a:extLst>
+              <a:ext uri="{FF2B5EF4-FFF2-40B4-BE49-F238E27FC236}">
+                <a16:creationId xmlns:a16="http://schemas.microsoft.com/office/drawing/2014/main" id="{C8DACBE1-79D0-1D30-4C1F-46504718B435}"/>
+              </a:ext>
+            </a:extLst>
+          </p:cNvPr>
+          <p:cNvSpPr txBox="1"/>
+          <p:nvPr/>
+        </p:nvSpPr>
+        <p:spPr>
+          <a:xfrm>
+            <a:off x="3727351" y="6119594"/>
+            <a:ext cx="2183465" cy="338554"/>
+          </a:xfrm>
+          <a:prstGeom prst="rect">
+            <a:avLst/>
+          </a:prstGeom>
+          <a:noFill/>
+        </p:spPr>
+        <p:txBody>
+          <a:bodyPr wrap="square" rtlCol="0">
+            <a:spAutoFit/>
+          </a:bodyPr>
+          <a:lstStyle/>
+          <a:p>
+            <a:r>
+              <a:rPr kumimoji="1" lang="en-US" altLang="ja-JP" sz="1600" dirty="0">
+                <a:ln>
+                  <a:solidFill>
+                    <a:srgbClr val="001746"/>
+                  </a:solidFill>
+                </a:ln>
+                <a:solidFill>
+                  <a:srgbClr val="001746"/>
+                </a:solidFill>
+                <a:latin typeface="UD デジタル 教科書体 NP-R" panose="02020400000000000000" pitchFamily="18" charset="-128"/>
+                <a:ea typeface="UD デジタル 教科書体 NP-R" panose="02020400000000000000" pitchFamily="18" charset="-128"/>
+              </a:rPr>
+              <a:t>50</a:t>
+            </a:r>
+            <a:r>
+              <a:rPr kumimoji="1" lang="ja-JP" altLang="en-US" sz="1600" dirty="0">
+                <a:ln>
+                  <a:solidFill>
+                    <a:srgbClr val="001746"/>
+                  </a:solidFill>
+                </a:ln>
+                <a:solidFill>
+                  <a:srgbClr val="001746"/>
+                </a:solidFill>
+                <a:latin typeface="UD デジタル 教科書体 NP-R" panose="02020400000000000000" pitchFamily="18" charset="-128"/>
+                <a:ea typeface="UD デジタル 教科書体 NP-R" panose="02020400000000000000" pitchFamily="18" charset="-128"/>
+              </a:rPr>
+              <a:t>代女性　</a:t>
+            </a:r>
+            <a:r>
+              <a:rPr kumimoji="1" lang="en-US" altLang="ja-JP" sz="1600" dirty="0">
+                <a:ln>
+                  <a:solidFill>
+                    <a:srgbClr val="001746"/>
+                  </a:solidFill>
+                </a:ln>
+                <a:solidFill>
+                  <a:srgbClr val="001746"/>
+                </a:solidFill>
+                <a:latin typeface="UD デジタル 教科書体 NP-R" panose="02020400000000000000" pitchFamily="18" charset="-128"/>
+                <a:ea typeface="UD デジタル 教科書体 NP-R" panose="02020400000000000000" pitchFamily="18" charset="-128"/>
+              </a:rPr>
+              <a:t>Y</a:t>
+            </a:r>
+            <a:r>
+              <a:rPr kumimoji="1" lang="ja-JP" altLang="en-US" sz="1600" dirty="0">
+                <a:ln>
+                  <a:solidFill>
+                    <a:srgbClr val="001746"/>
+                  </a:solidFill>
+                </a:ln>
+                <a:solidFill>
+                  <a:srgbClr val="001746"/>
+                </a:solidFill>
+                <a:latin typeface="UD デジタル 教科書体 NP-R" panose="02020400000000000000" pitchFamily="18" charset="-128"/>
+                <a:ea typeface="UD デジタル 教科書体 NP-R" panose="02020400000000000000" pitchFamily="18" charset="-128"/>
+              </a:rPr>
+              <a:t>・</a:t>
+            </a:r>
+            <a:r>
+              <a:rPr kumimoji="1" lang="en-US" altLang="ja-JP" sz="1600" dirty="0">
+                <a:ln>
+                  <a:solidFill>
+                    <a:srgbClr val="001746"/>
+                  </a:solidFill>
+                </a:ln>
+                <a:solidFill>
+                  <a:srgbClr val="001746"/>
+                </a:solidFill>
+                <a:latin typeface="UD デジタル 教科書体 NP-R" panose="02020400000000000000" pitchFamily="18" charset="-128"/>
+                <a:ea typeface="UD デジタル 教科書体 NP-R" panose="02020400000000000000" pitchFamily="18" charset="-128"/>
+              </a:rPr>
+              <a:t>N</a:t>
+            </a:r>
+            <a:r>
+              <a:rPr kumimoji="1" lang="ja-JP" altLang="en-US" sz="1600" dirty="0">
+                <a:ln>
+                  <a:solidFill>
+                    <a:srgbClr val="001746"/>
+                  </a:solidFill>
+                </a:ln>
+                <a:solidFill>
+                  <a:srgbClr val="001746"/>
+                </a:solidFill>
+                <a:latin typeface="UD デジタル 教科書体 NP-R" panose="02020400000000000000" pitchFamily="18" charset="-128"/>
+                <a:ea typeface="UD デジタル 教科書体 NP-R" panose="02020400000000000000" pitchFamily="18" charset="-128"/>
+              </a:rPr>
+              <a:t>さん</a:t>
+            </a:r>
+            <a:endParaRPr kumimoji="1" lang="en-US" altLang="ja-JP" sz="1600" dirty="0">
+              <a:ln>
+                <a:solidFill>
+                  <a:srgbClr val="001746"/>
+                </a:solidFill>
+              </a:ln>
+              <a:solidFill>
+                <a:srgbClr val="001746"/>
+              </a:solidFill>
+              <a:latin typeface="UD デジタル 教科書体 NP-R" panose="02020400000000000000" pitchFamily="18" charset="-128"/>
+              <a:ea typeface="UD デジタル 教科書体 NP-R" panose="02020400000000000000" pitchFamily="18" charset="-128"/>
+            </a:endParaRPr>
           </a:p>
         </p:txBody>
       </p:sp>
@@ -5273,10 +5870,10 @@
       </p:grpSpPr>
       <p:sp>
         <p:nvSpPr>
-          <p:cNvPr id="2" name="正方形/長方形 1">
-            <a:extLst>
-              <a:ext uri="{FF2B5EF4-FFF2-40B4-BE49-F238E27FC236}">
-                <a16:creationId xmlns:a16="http://schemas.microsoft.com/office/drawing/2014/main" id="{9AF5B89C-BE04-2EBA-E3F1-A8FE724DDF53}"/>
+          <p:cNvPr id="4" name="フローチャート: 結合子 3">
+            <a:extLst>
+              <a:ext uri="{FF2B5EF4-FFF2-40B4-BE49-F238E27FC236}">
+                <a16:creationId xmlns:a16="http://schemas.microsoft.com/office/drawing/2014/main" id="{DB1C31E5-1FB0-9621-5417-703C553A13BC}"/>
               </a:ext>
             </a:extLst>
           </p:cNvPr>
@@ -5285,18 +5882,21 @@
         </p:nvSpPr>
         <p:spPr>
           <a:xfrm>
-            <a:off x="0" y="1"/>
-            <a:ext cx="12192000" cy="698089"/>
-          </a:xfrm>
-          <a:prstGeom prst="rect">
+            <a:off x="-914400" y="-215629"/>
+            <a:ext cx="4907902" cy="4703653"/>
+          </a:xfrm>
+          <a:prstGeom prst="flowChartConnector">
             <a:avLst/>
           </a:prstGeom>
           <a:solidFill>
-            <a:srgbClr val="E9E5FF"/>
+            <a:schemeClr val="bg2"/>
           </a:solidFill>
           <a:ln>
             <a:noFill/>
           </a:ln>
+          <a:effectLst>
+            <a:softEdge rad="317500"/>
+          </a:effectLst>
         </p:spPr>
         <p:style>
           <a:lnRef idx="2">
@@ -5325,6 +5925,113 @@
       </p:sp>
       <p:sp>
         <p:nvSpPr>
+          <p:cNvPr id="5" name="フローチャート: 結合子 4">
+            <a:extLst>
+              <a:ext uri="{FF2B5EF4-FFF2-40B4-BE49-F238E27FC236}">
+                <a16:creationId xmlns:a16="http://schemas.microsoft.com/office/drawing/2014/main" id="{C5ED47E7-8E05-CB6B-1C59-903458235738}"/>
+              </a:ext>
+            </a:extLst>
+          </p:cNvPr>
+          <p:cNvSpPr/>
+          <p:nvPr/>
+        </p:nvSpPr>
+        <p:spPr>
+          <a:xfrm>
+            <a:off x="-718457" y="0"/>
+            <a:ext cx="4516015" cy="4292082"/>
+          </a:xfrm>
+          <a:prstGeom prst="flowChartConnector">
+            <a:avLst/>
+          </a:prstGeom>
+          <a:solidFill>
+            <a:schemeClr val="bg1"/>
+          </a:solidFill>
+          <a:ln>
+            <a:noFill/>
+          </a:ln>
+          <a:effectLst>
+            <a:softEdge rad="317500"/>
+          </a:effectLst>
+        </p:spPr>
+        <p:style>
+          <a:lnRef idx="2">
+            <a:schemeClr val="accent1">
+              <a:shade val="15000"/>
+            </a:schemeClr>
+          </a:lnRef>
+          <a:fillRef idx="1">
+            <a:schemeClr val="accent1"/>
+          </a:fillRef>
+          <a:effectRef idx="0">
+            <a:schemeClr val="accent1"/>
+          </a:effectRef>
+          <a:fontRef idx="minor">
+            <a:schemeClr val="lt1"/>
+          </a:fontRef>
+        </p:style>
+        <p:txBody>
+          <a:bodyPr rtlCol="0" anchor="ctr"/>
+          <a:lstStyle/>
+          <a:p>
+            <a:pPr algn="ctr"/>
+            <a:endParaRPr kumimoji="1" lang="ja-JP" altLang="en-US"/>
+          </a:p>
+        </p:txBody>
+      </p:sp>
+      <p:sp>
+        <p:nvSpPr>
+          <p:cNvPr id="2" name="正方形/長方形 1">
+            <a:extLst>
+              <a:ext uri="{FF2B5EF4-FFF2-40B4-BE49-F238E27FC236}">
+                <a16:creationId xmlns:a16="http://schemas.microsoft.com/office/drawing/2014/main" id="{9AF5B89C-BE04-2EBA-E3F1-A8FE724DDF53}"/>
+              </a:ext>
+            </a:extLst>
+          </p:cNvPr>
+          <p:cNvSpPr/>
+          <p:nvPr/>
+        </p:nvSpPr>
+        <p:spPr>
+          <a:xfrm>
+            <a:off x="0" y="1"/>
+            <a:ext cx="12192000" cy="698089"/>
+          </a:xfrm>
+          <a:prstGeom prst="rect">
+            <a:avLst/>
+          </a:prstGeom>
+          <a:solidFill>
+            <a:srgbClr val="E9E5FF"/>
+          </a:solidFill>
+          <a:ln>
+            <a:noFill/>
+          </a:ln>
+        </p:spPr>
+        <p:style>
+          <a:lnRef idx="2">
+            <a:schemeClr val="accent1">
+              <a:shade val="15000"/>
+            </a:schemeClr>
+          </a:lnRef>
+          <a:fillRef idx="1">
+            <a:schemeClr val="accent1"/>
+          </a:fillRef>
+          <a:effectRef idx="0">
+            <a:schemeClr val="accent1"/>
+          </a:effectRef>
+          <a:fontRef idx="minor">
+            <a:schemeClr val="lt1"/>
+          </a:fontRef>
+        </p:style>
+        <p:txBody>
+          <a:bodyPr rtlCol="0" anchor="ctr"/>
+          <a:lstStyle/>
+          <a:p>
+            <a:pPr algn="ctr"/>
+            <a:endParaRPr kumimoji="1" lang="ja-JP" altLang="en-US"/>
+          </a:p>
+        </p:txBody>
+      </p:sp>
+      <p:sp>
+        <p:nvSpPr>
           <p:cNvPr id="3" name="テキスト ボックス 2">
             <a:extLst>
               <a:ext uri="{FF2B5EF4-FFF2-40B4-BE49-F238E27FC236}">
@@ -5371,10 +6078,10 @@
       </p:sp>
       <p:pic>
         <p:nvPicPr>
-          <p:cNvPr id="15" name="図 14" descr="図形&#10;&#10;低い精度で自動的に生成された説明">
-            <a:extLst>
-              <a:ext uri="{FF2B5EF4-FFF2-40B4-BE49-F238E27FC236}">
-                <a16:creationId xmlns:a16="http://schemas.microsoft.com/office/drawing/2014/main" id="{77D49E64-8DCA-F74F-18BC-3231238569F3}"/>
+          <p:cNvPr id="19" name="図 18" descr="図形&#10;&#10;低い精度で自動的に生成された説明">
+            <a:extLst>
+              <a:ext uri="{FF2B5EF4-FFF2-40B4-BE49-F238E27FC236}">
+                <a16:creationId xmlns:a16="http://schemas.microsoft.com/office/drawing/2014/main" id="{B910123D-1776-CF3B-FD1C-5C928B66A59D}"/>
               </a:ext>
             </a:extLst>
           </p:cNvPr>
@@ -5397,7 +6104,95 @@
         </p:blipFill>
         <p:spPr>
           <a:xfrm>
-            <a:off x="3255609" y="2860431"/>
+            <a:off x="448244" y="946717"/>
+            <a:ext cx="2511982" cy="2511982"/>
+          </a:xfrm>
+          <a:prstGeom prst="rect">
+            <a:avLst/>
+          </a:prstGeom>
+        </p:spPr>
+      </p:pic>
+      <p:sp>
+        <p:nvSpPr>
+          <p:cNvPr id="6" name="正方形/長方形 5">
+            <a:extLst>
+              <a:ext uri="{FF2B5EF4-FFF2-40B4-BE49-F238E27FC236}">
+                <a16:creationId xmlns:a16="http://schemas.microsoft.com/office/drawing/2014/main" id="{3B8D49DE-051C-4BE6-3ABA-2A38F9FCE31B}"/>
+              </a:ext>
+            </a:extLst>
+          </p:cNvPr>
+          <p:cNvSpPr/>
+          <p:nvPr/>
+        </p:nvSpPr>
+        <p:spPr>
+          <a:xfrm>
+            <a:off x="2320212" y="3223059"/>
+            <a:ext cx="1250302" cy="1151406"/>
+          </a:xfrm>
+          <a:prstGeom prst="rect">
+            <a:avLst/>
+          </a:prstGeom>
+          <a:solidFill>
+            <a:schemeClr val="bg1"/>
+          </a:solidFill>
+          <a:ln>
+            <a:noFill/>
+          </a:ln>
+        </p:spPr>
+        <p:style>
+          <a:lnRef idx="2">
+            <a:schemeClr val="accent1">
+              <a:shade val="15000"/>
+            </a:schemeClr>
+          </a:lnRef>
+          <a:fillRef idx="1">
+            <a:schemeClr val="accent1"/>
+          </a:fillRef>
+          <a:effectRef idx="0">
+            <a:schemeClr val="accent1"/>
+          </a:effectRef>
+          <a:fontRef idx="minor">
+            <a:schemeClr val="lt1"/>
+          </a:fontRef>
+        </p:style>
+        <p:txBody>
+          <a:bodyPr rtlCol="0" anchor="ctr"/>
+          <a:lstStyle/>
+          <a:p>
+            <a:pPr algn="ctr"/>
+            <a:endParaRPr kumimoji="1" lang="ja-JP" altLang="en-US"/>
+          </a:p>
+        </p:txBody>
+      </p:sp>
+      <p:pic>
+        <p:nvPicPr>
+          <p:cNvPr id="15" name="図 14" descr="図形&#10;&#10;低い精度で自動的に生成された説明">
+            <a:extLst>
+              <a:ext uri="{FF2B5EF4-FFF2-40B4-BE49-F238E27FC236}">
+                <a16:creationId xmlns:a16="http://schemas.microsoft.com/office/drawing/2014/main" id="{77D49E64-8DCA-F74F-18BC-3231238569F3}"/>
+              </a:ext>
+            </a:extLst>
+          </p:cNvPr>
+          <p:cNvPicPr>
+            <a:picLocks noChangeAspect="1"/>
+          </p:cNvPicPr>
+          <p:nvPr/>
+        </p:nvPicPr>
+        <p:blipFill>
+          <a:blip r:embed="rId3">
+            <a:extLst>
+              <a:ext uri="{28A0092B-C50C-407E-A947-70E740481C1C}">
+                <a14:useLocalDpi xmlns:a14="http://schemas.microsoft.com/office/drawing/2010/main" val="0"/>
+              </a:ext>
+            </a:extLst>
+          </a:blip>
+          <a:stretch>
+            <a:fillRect/>
+          </a:stretch>
+        </p:blipFill>
+        <p:spPr>
+          <a:xfrm>
+            <a:off x="2239346" y="2911149"/>
             <a:ext cx="3810000" cy="3810000"/>
           </a:xfrm>
           <a:prstGeom prst="rect">
@@ -5407,10 +6202,73 @@
       </p:pic>
       <p:sp>
         <p:nvSpPr>
-          <p:cNvPr id="18" name="テキスト ボックス 17">
-            <a:extLst>
-              <a:ext uri="{FF2B5EF4-FFF2-40B4-BE49-F238E27FC236}">
-                <a16:creationId xmlns:a16="http://schemas.microsoft.com/office/drawing/2014/main" id="{300F496C-4FDE-B364-D2F5-BBD397A5556D}"/>
+          <p:cNvPr id="7" name="四角形: 角を丸くする 6">
+            <a:extLst>
+              <a:ext uri="{FF2B5EF4-FFF2-40B4-BE49-F238E27FC236}">
+                <a16:creationId xmlns:a16="http://schemas.microsoft.com/office/drawing/2014/main" id="{AF38AE59-0E34-9E2E-6FC4-6C9C5159005E}"/>
+              </a:ext>
+            </a:extLst>
+          </p:cNvPr>
+          <p:cNvSpPr/>
+          <p:nvPr/>
+        </p:nvSpPr>
+        <p:spPr>
+          <a:xfrm>
+            <a:off x="5160203" y="1034611"/>
+            <a:ext cx="4907902" cy="1687180"/>
+          </a:xfrm>
+          <a:prstGeom prst="roundRect">
+            <a:avLst>
+              <a:gd name="adj" fmla="val 10494"/>
+            </a:avLst>
+          </a:prstGeom>
+          <a:solidFill>
+            <a:schemeClr val="bg1">
+              <a:lumMod val="95000"/>
+            </a:schemeClr>
+          </a:solidFill>
+          <a:ln>
+            <a:noFill/>
+          </a:ln>
+          <a:effectLst>
+            <a:outerShdw blurRad="50800" dist="38100" dir="10800000" algn="r" rotWithShape="0">
+              <a:prstClr val="black">
+                <a:alpha val="40000"/>
+              </a:prstClr>
+            </a:outerShdw>
+          </a:effectLst>
+        </p:spPr>
+        <p:style>
+          <a:lnRef idx="2">
+            <a:schemeClr val="accent1">
+              <a:shade val="15000"/>
+            </a:schemeClr>
+          </a:lnRef>
+          <a:fillRef idx="1">
+            <a:schemeClr val="accent1"/>
+          </a:fillRef>
+          <a:effectRef idx="0">
+            <a:schemeClr val="accent1"/>
+          </a:effectRef>
+          <a:fontRef idx="minor">
+            <a:schemeClr val="lt1"/>
+          </a:fontRef>
+        </p:style>
+        <p:txBody>
+          <a:bodyPr rtlCol="0" anchor="ctr"/>
+          <a:lstStyle/>
+          <a:p>
+            <a:pPr algn="ctr"/>
+            <a:endParaRPr kumimoji="1" lang="ja-JP" altLang="en-US"/>
+          </a:p>
+        </p:txBody>
+      </p:sp>
+      <p:sp>
+        <p:nvSpPr>
+          <p:cNvPr id="8" name="テキスト ボックス 7">
+            <a:extLst>
+              <a:ext uri="{FF2B5EF4-FFF2-40B4-BE49-F238E27FC236}">
+                <a16:creationId xmlns:a16="http://schemas.microsoft.com/office/drawing/2014/main" id="{FE9CE013-E43F-CBF2-9C2C-A68839A4B50F}"/>
               </a:ext>
             </a:extLst>
           </p:cNvPr>
@@ -5419,8 +6277,8 @@
         </p:nvSpPr>
         <p:spPr>
           <a:xfrm>
-            <a:off x="7801287" y="2052880"/>
-            <a:ext cx="3669278" cy="1200329"/>
+            <a:off x="5348719" y="1243088"/>
+            <a:ext cx="4584211" cy="923330"/>
           </a:xfrm>
           <a:prstGeom prst="rect">
             <a:avLst/>
@@ -5434,7 +6292,7 @@
           <a:lstStyle/>
           <a:p>
             <a:r>
-              <a:rPr kumimoji="1" lang="ja-JP" altLang="en-US" sz="2400" dirty="0">
+              <a:rPr kumimoji="1" lang="ja-JP" altLang="en-US" dirty="0">
                 <a:ln>
                   <a:solidFill>
                     <a:srgbClr val="001746"/>
@@ -5446,9 +6304,9 @@
                 <a:latin typeface="UD デジタル 教科書体 NP-R" panose="02020400000000000000" pitchFamily="18" charset="-128"/>
                 <a:ea typeface="UD デジタル 教科書体 NP-R" panose="02020400000000000000" pitchFamily="18" charset="-128"/>
               </a:rPr>
-              <a:t>やるべきことがわかる</a:t>
-            </a:r>
-            <a:endParaRPr kumimoji="1" lang="en-US" altLang="ja-JP" sz="2400" dirty="0">
+              <a:t>自分のやるべきことが分かると動きやすいですね。完了事項と未完了事項が一目でわかるところも気に入っています。</a:t>
+            </a:r>
+            <a:endParaRPr kumimoji="1" lang="en-US" altLang="ja-JP" dirty="0">
               <a:ln>
                 <a:solidFill>
                   <a:srgbClr val="001746"/>
@@ -5461,9 +6319,38 @@
               <a:ea typeface="UD デジタル 教科書体 NP-R" panose="02020400000000000000" pitchFamily="18" charset="-128"/>
             </a:endParaRPr>
           </a:p>
-          <a:p>
-            <a:r>
-              <a:rPr kumimoji="1" lang="ja-JP" altLang="en-US" sz="2400" dirty="0">
+        </p:txBody>
+      </p:sp>
+      <p:sp>
+        <p:nvSpPr>
+          <p:cNvPr id="9" name="テキスト ボックス 8">
+            <a:extLst>
+              <a:ext uri="{FF2B5EF4-FFF2-40B4-BE49-F238E27FC236}">
+                <a16:creationId xmlns:a16="http://schemas.microsoft.com/office/drawing/2014/main" id="{6146132F-A7F0-5B62-D5A2-90DBFA8B0E14}"/>
+              </a:ext>
+            </a:extLst>
+          </p:cNvPr>
+          <p:cNvSpPr txBox="1"/>
+          <p:nvPr/>
+        </p:nvSpPr>
+        <p:spPr>
+          <a:xfrm>
+            <a:off x="7647044" y="2271435"/>
+            <a:ext cx="2183465" cy="338554"/>
+          </a:xfrm>
+          <a:prstGeom prst="rect">
+            <a:avLst/>
+          </a:prstGeom>
+          <a:noFill/>
+        </p:spPr>
+        <p:txBody>
+          <a:bodyPr wrap="square" rtlCol="0">
+            <a:spAutoFit/>
+          </a:bodyPr>
+          <a:lstStyle/>
+          <a:p>
+            <a:r>
+              <a:rPr kumimoji="1" lang="en-US" altLang="ja-JP" sz="1600" dirty="0">
                 <a:ln>
                   <a:solidFill>
                     <a:srgbClr val="001746"/>
@@ -5475,9 +6362,84 @@
                 <a:latin typeface="UD デジタル 教科書体 NP-R" panose="02020400000000000000" pitchFamily="18" charset="-128"/>
                 <a:ea typeface="UD デジタル 教科書体 NP-R" panose="02020400000000000000" pitchFamily="18" charset="-128"/>
               </a:rPr>
-              <a:t>未完了と済がわかる</a:t>
-            </a:r>
-            <a:endParaRPr kumimoji="1" lang="en-US" altLang="ja-JP" sz="2400" dirty="0">
+              <a:t>30</a:t>
+            </a:r>
+            <a:r>
+              <a:rPr kumimoji="1" lang="ja-JP" altLang="en-US" sz="1600" dirty="0">
+                <a:ln>
+                  <a:solidFill>
+                    <a:srgbClr val="001746"/>
+                  </a:solidFill>
+                </a:ln>
+                <a:solidFill>
+                  <a:srgbClr val="001746"/>
+                </a:solidFill>
+                <a:latin typeface="UD デジタル 教科書体 NP-R" panose="02020400000000000000" pitchFamily="18" charset="-128"/>
+                <a:ea typeface="UD デジタル 教科書体 NP-R" panose="02020400000000000000" pitchFamily="18" charset="-128"/>
+              </a:rPr>
+              <a:t>代男性　</a:t>
+            </a:r>
+            <a:r>
+              <a:rPr kumimoji="1" lang="en-US" altLang="ja-JP" sz="1600" dirty="0">
+                <a:ln>
+                  <a:solidFill>
+                    <a:srgbClr val="001746"/>
+                  </a:solidFill>
+                </a:ln>
+                <a:solidFill>
+                  <a:srgbClr val="001746"/>
+                </a:solidFill>
+                <a:latin typeface="UD デジタル 教科書体 NP-R" panose="02020400000000000000" pitchFamily="18" charset="-128"/>
+                <a:ea typeface="UD デジタル 教科書体 NP-R" panose="02020400000000000000" pitchFamily="18" charset="-128"/>
+              </a:rPr>
+              <a:t>H</a:t>
+            </a:r>
+            <a:r>
+              <a:rPr kumimoji="1" lang="ja-JP" altLang="en-US" sz="1600" dirty="0">
+                <a:ln>
+                  <a:solidFill>
+                    <a:srgbClr val="001746"/>
+                  </a:solidFill>
+                </a:ln>
+                <a:solidFill>
+                  <a:srgbClr val="001746"/>
+                </a:solidFill>
+                <a:latin typeface="UD デジタル 教科書体 NP-R" panose="02020400000000000000" pitchFamily="18" charset="-128"/>
+                <a:ea typeface="UD デジタル 教科書体 NP-R" panose="02020400000000000000" pitchFamily="18" charset="-128"/>
+              </a:rPr>
+              <a:t>・</a:t>
+            </a:r>
+            <a:r>
+              <a:rPr kumimoji="1" lang="en-US" altLang="ja-JP" sz="1600" dirty="0">
+                <a:ln>
+                  <a:solidFill>
+                    <a:srgbClr val="001746"/>
+                  </a:solidFill>
+                </a:ln>
+                <a:solidFill>
+                  <a:srgbClr val="001746"/>
+                </a:solidFill>
+                <a:latin typeface="UD デジタル 教科書体 NP-R" panose="02020400000000000000" pitchFamily="18" charset="-128"/>
+                <a:ea typeface="UD デジタル 教科書体 NP-R" panose="02020400000000000000" pitchFamily="18" charset="-128"/>
+              </a:rPr>
+              <a:t>K</a:t>
+            </a:r>
+            <a:r>
+              <a:rPr kumimoji="1" lang="ja-JP" altLang="en-US" sz="1600" dirty="0">
+                <a:ln>
+                  <a:solidFill>
+                    <a:srgbClr val="001746"/>
+                  </a:solidFill>
+                </a:ln>
+                <a:solidFill>
+                  <a:srgbClr val="001746"/>
+                </a:solidFill>
+                <a:latin typeface="UD デジタル 教科書体 NP-R" panose="02020400000000000000" pitchFamily="18" charset="-128"/>
+                <a:ea typeface="UD デジタル 教科書体 NP-R" panose="02020400000000000000" pitchFamily="18" charset="-128"/>
+              </a:rPr>
+              <a:t>さん</a:t>
+            </a:r>
+            <a:endParaRPr kumimoji="1" lang="en-US" altLang="ja-JP" sz="1600" dirty="0">
               <a:ln>
                 <a:solidFill>
                   <a:srgbClr val="001746"/>
@@ -5490,9 +6452,101 @@
               <a:ea typeface="UD デジタル 教科書体 NP-R" panose="02020400000000000000" pitchFamily="18" charset="-128"/>
             </a:endParaRPr>
           </a:p>
-          <a:p>
-            <a:r>
-              <a:rPr kumimoji="1" lang="ja-JP" altLang="en-US" sz="2400" dirty="0">
+        </p:txBody>
+      </p:sp>
+      <p:sp>
+        <p:nvSpPr>
+          <p:cNvPr id="10" name="四角形: 角を丸くする 9">
+            <a:extLst>
+              <a:ext uri="{FF2B5EF4-FFF2-40B4-BE49-F238E27FC236}">
+                <a16:creationId xmlns:a16="http://schemas.microsoft.com/office/drawing/2014/main" id="{B070AA77-643A-BCB5-8BBB-8B3B8F439ED4}"/>
+              </a:ext>
+            </a:extLst>
+          </p:cNvPr>
+          <p:cNvSpPr/>
+          <p:nvPr/>
+        </p:nvSpPr>
+        <p:spPr>
+          <a:xfrm>
+            <a:off x="6755361" y="2983255"/>
+            <a:ext cx="4907901" cy="2180078"/>
+          </a:xfrm>
+          <a:prstGeom prst="roundRect">
+            <a:avLst>
+              <a:gd name="adj" fmla="val 10494"/>
+            </a:avLst>
+          </a:prstGeom>
+          <a:solidFill>
+            <a:schemeClr val="bg1">
+              <a:lumMod val="95000"/>
+            </a:schemeClr>
+          </a:solidFill>
+          <a:ln>
+            <a:noFill/>
+          </a:ln>
+          <a:effectLst>
+            <a:outerShdw blurRad="50800" dist="38100" dir="18900000" algn="bl" rotWithShape="0">
+              <a:prstClr val="black">
+                <a:alpha val="40000"/>
+              </a:prstClr>
+            </a:outerShdw>
+          </a:effectLst>
+        </p:spPr>
+        <p:style>
+          <a:lnRef idx="2">
+            <a:schemeClr val="accent1">
+              <a:shade val="15000"/>
+            </a:schemeClr>
+          </a:lnRef>
+          <a:fillRef idx="1">
+            <a:schemeClr val="accent1"/>
+          </a:fillRef>
+          <a:effectRef idx="0">
+            <a:schemeClr val="accent1"/>
+          </a:effectRef>
+          <a:fontRef idx="minor">
+            <a:schemeClr val="lt1"/>
+          </a:fontRef>
+        </p:style>
+        <p:txBody>
+          <a:bodyPr rtlCol="0" anchor="ctr"/>
+          <a:lstStyle/>
+          <a:p>
+            <a:pPr algn="ctr"/>
+            <a:endParaRPr kumimoji="1" lang="ja-JP" altLang="en-US"/>
+          </a:p>
+        </p:txBody>
+      </p:sp>
+      <p:sp>
+        <p:nvSpPr>
+          <p:cNvPr id="18" name="テキスト ボックス 17">
+            <a:extLst>
+              <a:ext uri="{FF2B5EF4-FFF2-40B4-BE49-F238E27FC236}">
+                <a16:creationId xmlns:a16="http://schemas.microsoft.com/office/drawing/2014/main" id="{300F496C-4FDE-B364-D2F5-BBD397A5556D}"/>
+              </a:ext>
+            </a:extLst>
+          </p:cNvPr>
+          <p:cNvSpPr txBox="1"/>
+          <p:nvPr/>
+        </p:nvSpPr>
+        <p:spPr>
+          <a:xfrm>
+            <a:off x="6901039" y="3139964"/>
+            <a:ext cx="4616543" cy="1477328"/>
+          </a:xfrm>
+          <a:prstGeom prst="rect">
+            <a:avLst/>
+          </a:prstGeom>
+          <a:noFill/>
+        </p:spPr>
+        <p:txBody>
+          <a:bodyPr wrap="square" rtlCol="0">
+            <a:spAutoFit/>
+          </a:bodyPr>
+          <a:lstStyle/>
+          <a:p>
+            <a:r>
+              <a:rPr kumimoji="1" lang="ja-JP" altLang="en-US" dirty="0">
                 <a:ln>
                   <a:solidFill>
                     <a:srgbClr val="001746"/>
@@ -5504,9 +6558,9 @@
                 <a:latin typeface="UD デジタル 教科書体 NP-R" panose="02020400000000000000" pitchFamily="18" charset="-128"/>
                 <a:ea typeface="UD デジタル 教科書体 NP-R" panose="02020400000000000000" pitchFamily="18" charset="-128"/>
               </a:rPr>
-              <a:t>頼まれたことを忘れない</a:t>
-            </a:r>
-            <a:endParaRPr kumimoji="1" lang="en-US" altLang="ja-JP" sz="2400" dirty="0">
+              <a:t>以前は、妻に頼まれたことを忘れてしまったりして、怒られることが多かったんです。このアプリを使うようになってからは、その日に僕宛のタスクが追加されていても気づくことができるのでありがたいですね。</a:t>
+            </a:r>
+            <a:endParaRPr kumimoji="1" lang="en-US" altLang="ja-JP" dirty="0">
               <a:ln>
                 <a:solidFill>
                   <a:srgbClr val="001746"/>
@@ -5521,42 +6575,393 @@
           </a:p>
         </p:txBody>
       </p:sp>
-      <p:pic>
-        <p:nvPicPr>
-          <p:cNvPr id="19" name="図 18" descr="図形&#10;&#10;低い精度で自動的に生成された説明">
-            <a:extLst>
-              <a:ext uri="{FF2B5EF4-FFF2-40B4-BE49-F238E27FC236}">
-                <a16:creationId xmlns:a16="http://schemas.microsoft.com/office/drawing/2014/main" id="{B910123D-1776-CF3B-FD1C-5C928B66A59D}"/>
-              </a:ext>
-            </a:extLst>
-          </p:cNvPr>
-          <p:cNvPicPr>
-            <a:picLocks noChangeAspect="1"/>
-          </p:cNvPicPr>
-          <p:nvPr/>
-        </p:nvPicPr>
-        <p:blipFill>
-          <a:blip r:embed="rId3">
-            <a:extLst>
-              <a:ext uri="{28A0092B-C50C-407E-A947-70E740481C1C}">
-                <a14:useLocalDpi xmlns:a14="http://schemas.microsoft.com/office/drawing/2010/main" val="0"/>
-              </a:ext>
-            </a:extLst>
-          </a:blip>
-          <a:stretch>
-            <a:fillRect/>
-          </a:stretch>
-        </p:blipFill>
-        <p:spPr>
-          <a:xfrm>
-            <a:off x="316900" y="1064567"/>
-            <a:ext cx="3176954" cy="3176954"/>
+      <p:sp>
+        <p:nvSpPr>
+          <p:cNvPr id="11" name="テキスト ボックス 10">
+            <a:extLst>
+              <a:ext uri="{FF2B5EF4-FFF2-40B4-BE49-F238E27FC236}">
+                <a16:creationId xmlns:a16="http://schemas.microsoft.com/office/drawing/2014/main" id="{49E89FC9-47B3-5B46-DB6E-E9779F081132}"/>
+              </a:ext>
+            </a:extLst>
+          </p:cNvPr>
+          <p:cNvSpPr txBox="1"/>
+          <p:nvPr/>
+        </p:nvSpPr>
+        <p:spPr>
+          <a:xfrm>
+            <a:off x="9248097" y="4694151"/>
+            <a:ext cx="2183465" cy="338554"/>
           </a:xfrm>
           <a:prstGeom prst="rect">
             <a:avLst/>
           </a:prstGeom>
-        </p:spPr>
-      </p:pic>
+          <a:noFill/>
+        </p:spPr>
+        <p:txBody>
+          <a:bodyPr wrap="square" rtlCol="0">
+            <a:spAutoFit/>
+          </a:bodyPr>
+          <a:lstStyle/>
+          <a:p>
+            <a:r>
+              <a:rPr kumimoji="1" lang="en-US" altLang="ja-JP" sz="1600" dirty="0">
+                <a:ln>
+                  <a:solidFill>
+                    <a:srgbClr val="001746"/>
+                  </a:solidFill>
+                </a:ln>
+                <a:solidFill>
+                  <a:srgbClr val="001746"/>
+                </a:solidFill>
+                <a:latin typeface="UD デジタル 教科書体 NP-R" panose="02020400000000000000" pitchFamily="18" charset="-128"/>
+                <a:ea typeface="UD デジタル 教科書体 NP-R" panose="02020400000000000000" pitchFamily="18" charset="-128"/>
+              </a:rPr>
+              <a:t>30</a:t>
+            </a:r>
+            <a:r>
+              <a:rPr kumimoji="1" lang="ja-JP" altLang="en-US" sz="1600" dirty="0">
+                <a:ln>
+                  <a:solidFill>
+                    <a:srgbClr val="001746"/>
+                  </a:solidFill>
+                </a:ln>
+                <a:solidFill>
+                  <a:srgbClr val="001746"/>
+                </a:solidFill>
+                <a:latin typeface="UD デジタル 教科書体 NP-R" panose="02020400000000000000" pitchFamily="18" charset="-128"/>
+                <a:ea typeface="UD デジタル 教科書体 NP-R" panose="02020400000000000000" pitchFamily="18" charset="-128"/>
+              </a:rPr>
+              <a:t>代男性　</a:t>
+            </a:r>
+            <a:r>
+              <a:rPr kumimoji="1" lang="en-US" altLang="ja-JP" sz="1600" dirty="0">
+                <a:ln>
+                  <a:solidFill>
+                    <a:srgbClr val="001746"/>
+                  </a:solidFill>
+                </a:ln>
+                <a:solidFill>
+                  <a:srgbClr val="001746"/>
+                </a:solidFill>
+                <a:latin typeface="UD デジタル 教科書体 NP-R" panose="02020400000000000000" pitchFamily="18" charset="-128"/>
+                <a:ea typeface="UD デジタル 教科書体 NP-R" panose="02020400000000000000" pitchFamily="18" charset="-128"/>
+              </a:rPr>
+              <a:t>R</a:t>
+            </a:r>
+            <a:r>
+              <a:rPr kumimoji="1" lang="ja-JP" altLang="en-US" sz="1600" dirty="0">
+                <a:ln>
+                  <a:solidFill>
+                    <a:srgbClr val="001746"/>
+                  </a:solidFill>
+                </a:ln>
+                <a:solidFill>
+                  <a:srgbClr val="001746"/>
+                </a:solidFill>
+                <a:latin typeface="UD デジタル 教科書体 NP-R" panose="02020400000000000000" pitchFamily="18" charset="-128"/>
+                <a:ea typeface="UD デジタル 教科書体 NP-R" panose="02020400000000000000" pitchFamily="18" charset="-128"/>
+              </a:rPr>
+              <a:t>・</a:t>
+            </a:r>
+            <a:r>
+              <a:rPr kumimoji="1" lang="en-US" altLang="ja-JP" sz="1600" dirty="0">
+                <a:ln>
+                  <a:solidFill>
+                    <a:srgbClr val="001746"/>
+                  </a:solidFill>
+                </a:ln>
+                <a:solidFill>
+                  <a:srgbClr val="001746"/>
+                </a:solidFill>
+                <a:latin typeface="UD デジタル 教科書体 NP-R" panose="02020400000000000000" pitchFamily="18" charset="-128"/>
+                <a:ea typeface="UD デジタル 教科書体 NP-R" panose="02020400000000000000" pitchFamily="18" charset="-128"/>
+              </a:rPr>
+              <a:t>A</a:t>
+            </a:r>
+            <a:r>
+              <a:rPr kumimoji="1" lang="ja-JP" altLang="en-US" sz="1600" dirty="0">
+                <a:ln>
+                  <a:solidFill>
+                    <a:srgbClr val="001746"/>
+                  </a:solidFill>
+                </a:ln>
+                <a:solidFill>
+                  <a:srgbClr val="001746"/>
+                </a:solidFill>
+                <a:latin typeface="UD デジタル 教科書体 NP-R" panose="02020400000000000000" pitchFamily="18" charset="-128"/>
+                <a:ea typeface="UD デジタル 教科書体 NP-R" panose="02020400000000000000" pitchFamily="18" charset="-128"/>
+              </a:rPr>
+              <a:t>さん</a:t>
+            </a:r>
+            <a:endParaRPr kumimoji="1" lang="en-US" altLang="ja-JP" sz="1600" dirty="0">
+              <a:ln>
+                <a:solidFill>
+                  <a:srgbClr val="001746"/>
+                </a:solidFill>
+              </a:ln>
+              <a:solidFill>
+                <a:srgbClr val="001746"/>
+              </a:solidFill>
+              <a:latin typeface="UD デジタル 教科書体 NP-R" panose="02020400000000000000" pitchFamily="18" charset="-128"/>
+              <a:ea typeface="UD デジタル 教科書体 NP-R" panose="02020400000000000000" pitchFamily="18" charset="-128"/>
+            </a:endParaRPr>
+          </a:p>
+        </p:txBody>
+      </p:sp>
+      <p:sp>
+        <p:nvSpPr>
+          <p:cNvPr id="12" name="四角形: 角を丸くする 11">
+            <a:extLst>
+              <a:ext uri="{FF2B5EF4-FFF2-40B4-BE49-F238E27FC236}">
+                <a16:creationId xmlns:a16="http://schemas.microsoft.com/office/drawing/2014/main" id="{75DC0330-243D-1AC5-A8C2-346A71B32123}"/>
+              </a:ext>
+            </a:extLst>
+          </p:cNvPr>
+          <p:cNvSpPr/>
+          <p:nvPr/>
+        </p:nvSpPr>
+        <p:spPr>
+          <a:xfrm>
+            <a:off x="6300897" y="5421460"/>
+            <a:ext cx="4907902" cy="1085116"/>
+          </a:xfrm>
+          <a:prstGeom prst="roundRect">
+            <a:avLst>
+              <a:gd name="adj" fmla="val 10494"/>
+            </a:avLst>
+          </a:prstGeom>
+          <a:solidFill>
+            <a:schemeClr val="bg1">
+              <a:lumMod val="95000"/>
+            </a:schemeClr>
+          </a:solidFill>
+          <a:ln>
+            <a:noFill/>
+          </a:ln>
+          <a:effectLst>
+            <a:outerShdw blurRad="50800" dist="38100" dir="10800000" algn="r" rotWithShape="0">
+              <a:prstClr val="black">
+                <a:alpha val="40000"/>
+              </a:prstClr>
+            </a:outerShdw>
+          </a:effectLst>
+        </p:spPr>
+        <p:style>
+          <a:lnRef idx="2">
+            <a:schemeClr val="accent1">
+              <a:shade val="15000"/>
+            </a:schemeClr>
+          </a:lnRef>
+          <a:fillRef idx="1">
+            <a:schemeClr val="accent1"/>
+          </a:fillRef>
+          <a:effectRef idx="0">
+            <a:schemeClr val="accent1"/>
+          </a:effectRef>
+          <a:fontRef idx="minor">
+            <a:schemeClr val="lt1"/>
+          </a:fontRef>
+        </p:style>
+        <p:txBody>
+          <a:bodyPr rtlCol="0" anchor="ctr"/>
+          <a:lstStyle/>
+          <a:p>
+            <a:pPr algn="ctr"/>
+            <a:endParaRPr kumimoji="1" lang="ja-JP" altLang="en-US"/>
+          </a:p>
+        </p:txBody>
+      </p:sp>
+      <p:sp>
+        <p:nvSpPr>
+          <p:cNvPr id="13" name="テキスト ボックス 12">
+            <a:extLst>
+              <a:ext uri="{FF2B5EF4-FFF2-40B4-BE49-F238E27FC236}">
+                <a16:creationId xmlns:a16="http://schemas.microsoft.com/office/drawing/2014/main" id="{21EDBAE8-292D-782B-21EC-CB388668CCC7}"/>
+              </a:ext>
+            </a:extLst>
+          </p:cNvPr>
+          <p:cNvSpPr txBox="1"/>
+          <p:nvPr/>
+        </p:nvSpPr>
+        <p:spPr>
+          <a:xfrm>
+            <a:off x="6436072" y="5561601"/>
+            <a:ext cx="4584211" cy="646331"/>
+          </a:xfrm>
+          <a:prstGeom prst="rect">
+            <a:avLst/>
+          </a:prstGeom>
+          <a:noFill/>
+        </p:spPr>
+        <p:txBody>
+          <a:bodyPr wrap="square" rtlCol="0">
+            <a:spAutoFit/>
+          </a:bodyPr>
+          <a:lstStyle/>
+          <a:p>
+            <a:r>
+              <a:rPr kumimoji="1" lang="ja-JP" altLang="en-US" dirty="0">
+                <a:ln>
+                  <a:solidFill>
+                    <a:srgbClr val="001746"/>
+                  </a:solidFill>
+                </a:ln>
+                <a:solidFill>
+                  <a:srgbClr val="001746"/>
+                </a:solidFill>
+                <a:latin typeface="UD デジタル 教科書体 NP-R" panose="02020400000000000000" pitchFamily="18" charset="-128"/>
+                <a:ea typeface="UD デジタル 教科書体 NP-R" panose="02020400000000000000" pitchFamily="18" charset="-128"/>
+              </a:rPr>
+              <a:t>子供も私たちの予定が見れるところが重宝しています！</a:t>
+            </a:r>
+            <a:endParaRPr kumimoji="1" lang="en-US" altLang="ja-JP" dirty="0">
+              <a:ln>
+                <a:solidFill>
+                  <a:srgbClr val="001746"/>
+                </a:solidFill>
+              </a:ln>
+              <a:solidFill>
+                <a:srgbClr val="001746"/>
+              </a:solidFill>
+              <a:latin typeface="UD デジタル 教科書体 NP-R" panose="02020400000000000000" pitchFamily="18" charset="-128"/>
+              <a:ea typeface="UD デジタル 教科書体 NP-R" panose="02020400000000000000" pitchFamily="18" charset="-128"/>
+            </a:endParaRPr>
+          </a:p>
+        </p:txBody>
+      </p:sp>
+      <p:sp>
+        <p:nvSpPr>
+          <p:cNvPr id="14" name="テキスト ボックス 13">
+            <a:extLst>
+              <a:ext uri="{FF2B5EF4-FFF2-40B4-BE49-F238E27FC236}">
+                <a16:creationId xmlns:a16="http://schemas.microsoft.com/office/drawing/2014/main" id="{186152A9-0AE9-E91F-50E0-A7389EFF4923}"/>
+              </a:ext>
+            </a:extLst>
+          </p:cNvPr>
+          <p:cNvSpPr txBox="1"/>
+          <p:nvPr/>
+        </p:nvSpPr>
+        <p:spPr>
+          <a:xfrm>
+            <a:off x="8857269" y="6077855"/>
+            <a:ext cx="2183465" cy="338554"/>
+          </a:xfrm>
+          <a:prstGeom prst="rect">
+            <a:avLst/>
+          </a:prstGeom>
+          <a:noFill/>
+        </p:spPr>
+        <p:txBody>
+          <a:bodyPr wrap="square" rtlCol="0">
+            <a:spAutoFit/>
+          </a:bodyPr>
+          <a:lstStyle/>
+          <a:p>
+            <a:r>
+              <a:rPr kumimoji="1" lang="en-US" altLang="ja-JP" sz="1600" dirty="0">
+                <a:ln>
+                  <a:solidFill>
+                    <a:srgbClr val="001746"/>
+                  </a:solidFill>
+                </a:ln>
+                <a:solidFill>
+                  <a:srgbClr val="001746"/>
+                </a:solidFill>
+                <a:latin typeface="UD デジタル 教科書体 NP-R" panose="02020400000000000000" pitchFamily="18" charset="-128"/>
+                <a:ea typeface="UD デジタル 教科書体 NP-R" panose="02020400000000000000" pitchFamily="18" charset="-128"/>
+              </a:rPr>
+              <a:t>40</a:t>
+            </a:r>
+            <a:r>
+              <a:rPr kumimoji="1" lang="ja-JP" altLang="en-US" sz="1600" dirty="0">
+                <a:ln>
+                  <a:solidFill>
+                    <a:srgbClr val="001746"/>
+                  </a:solidFill>
+                </a:ln>
+                <a:solidFill>
+                  <a:srgbClr val="001746"/>
+                </a:solidFill>
+                <a:latin typeface="UD デジタル 教科書体 NP-R" panose="02020400000000000000" pitchFamily="18" charset="-128"/>
+                <a:ea typeface="UD デジタル 教科書体 NP-R" panose="02020400000000000000" pitchFamily="18" charset="-128"/>
+              </a:rPr>
+              <a:t>代女性　</a:t>
+            </a:r>
+            <a:r>
+              <a:rPr kumimoji="1" lang="en-US" altLang="ja-JP" sz="1600" dirty="0">
+                <a:ln>
+                  <a:solidFill>
+                    <a:srgbClr val="001746"/>
+                  </a:solidFill>
+                </a:ln>
+                <a:solidFill>
+                  <a:srgbClr val="001746"/>
+                </a:solidFill>
+                <a:latin typeface="UD デジタル 教科書体 NP-R" panose="02020400000000000000" pitchFamily="18" charset="-128"/>
+                <a:ea typeface="UD デジタル 教科書体 NP-R" panose="02020400000000000000" pitchFamily="18" charset="-128"/>
+              </a:rPr>
+              <a:t>E</a:t>
+            </a:r>
+            <a:r>
+              <a:rPr kumimoji="1" lang="ja-JP" altLang="en-US" sz="1600" dirty="0">
+                <a:ln>
+                  <a:solidFill>
+                    <a:srgbClr val="001746"/>
+                  </a:solidFill>
+                </a:ln>
+                <a:solidFill>
+                  <a:srgbClr val="001746"/>
+                </a:solidFill>
+                <a:latin typeface="UD デジタル 教科書体 NP-R" panose="02020400000000000000" pitchFamily="18" charset="-128"/>
+                <a:ea typeface="UD デジタル 教科書体 NP-R" panose="02020400000000000000" pitchFamily="18" charset="-128"/>
+              </a:rPr>
+              <a:t>・</a:t>
+            </a:r>
+            <a:r>
+              <a:rPr kumimoji="1" lang="en-US" altLang="ja-JP" sz="1600" dirty="0">
+                <a:ln>
+                  <a:solidFill>
+                    <a:srgbClr val="001746"/>
+                  </a:solidFill>
+                </a:ln>
+                <a:solidFill>
+                  <a:srgbClr val="001746"/>
+                </a:solidFill>
+                <a:latin typeface="UD デジタル 教科書体 NP-R" panose="02020400000000000000" pitchFamily="18" charset="-128"/>
+                <a:ea typeface="UD デジタル 教科書体 NP-R" panose="02020400000000000000" pitchFamily="18" charset="-128"/>
+              </a:rPr>
+              <a:t>I</a:t>
+            </a:r>
+            <a:r>
+              <a:rPr kumimoji="1" lang="ja-JP" altLang="en-US" sz="1600" dirty="0">
+                <a:ln>
+                  <a:solidFill>
+                    <a:srgbClr val="001746"/>
+                  </a:solidFill>
+                </a:ln>
+                <a:solidFill>
+                  <a:srgbClr val="001746"/>
+                </a:solidFill>
+                <a:latin typeface="UD デジタル 教科書体 NP-R" panose="02020400000000000000" pitchFamily="18" charset="-128"/>
+                <a:ea typeface="UD デジタル 教科書体 NP-R" panose="02020400000000000000" pitchFamily="18" charset="-128"/>
+              </a:rPr>
+              <a:t>さん</a:t>
+            </a:r>
+            <a:endParaRPr kumimoji="1" lang="en-US" altLang="ja-JP" sz="1600" dirty="0">
+              <a:ln>
+                <a:solidFill>
+                  <a:srgbClr val="001746"/>
+                </a:solidFill>
+              </a:ln>
+              <a:solidFill>
+                <a:srgbClr val="001746"/>
+              </a:solidFill>
+              <a:latin typeface="UD デジタル 教科書体 NP-R" panose="02020400000000000000" pitchFamily="18" charset="-128"/>
+              <a:ea typeface="UD デジタル 教科書体 NP-R" panose="02020400000000000000" pitchFamily="18" charset="-128"/>
+            </a:endParaRPr>
+          </a:p>
+        </p:txBody>
+      </p:sp>
     </p:spTree>
     <p:extLst>
       <p:ext uri="{BB962C8B-B14F-4D97-AF65-F5344CB8AC3E}">
